--- a/095_RunTensorlfow2.0Part02.pptx
+++ b/095_RunTensorlfow2.0Part02.pptx
@@ -252,7 +252,7 @@
             <a:fld id="{6837EDA8-41C8-4B24-A206-13C08A65A6D7}" type="datetimeFigureOut">
               <a:rPr lang="zh-TW" altLang="en-US" smtClean="0"/>
               <a:pPr/>
-              <a:t>2020/9/18</a:t>
+              <a:t>2020/9/19</a:t>
             </a:fld>
             <a:endParaRPr lang="zh-TW" altLang="en-US"/>
           </a:p>
@@ -705,7 +705,7 @@
             <a:fld id="{8B85509C-BD4F-47BF-9B1E-FC2E949B3621}" type="datetime1">
               <a:rPr lang="zh-TW" altLang="en-US" smtClean="0"/>
               <a:pPr/>
-              <a:t>2020/9/18</a:t>
+              <a:t>2020/9/19</a:t>
             </a:fld>
             <a:endParaRPr lang="zh-TW" altLang="en-US"/>
           </a:p>
@@ -878,7 +878,7 @@
             <a:fld id="{42251B24-F787-4C15-8A0F-7AEC20C70069}" type="datetime1">
               <a:rPr lang="zh-TW" altLang="en-US" smtClean="0"/>
               <a:pPr/>
-              <a:t>2020/9/18</a:t>
+              <a:t>2020/9/19</a:t>
             </a:fld>
             <a:endParaRPr lang="zh-TW" altLang="en-US"/>
           </a:p>
@@ -1053,7 +1053,7 @@
             <a:fld id="{9CA0D33C-CE2B-45F1-B8D4-FFD1F131F331}" type="datetime1">
               <a:rPr lang="zh-TW" altLang="en-US" smtClean="0"/>
               <a:pPr/>
-              <a:t>2020/9/18</a:t>
+              <a:t>2020/9/19</a:t>
             </a:fld>
             <a:endParaRPr lang="zh-TW" altLang="en-US"/>
           </a:p>
@@ -1218,7 +1218,7 @@
             <a:fld id="{50B99440-D9EF-40CC-9B52-F6428D9B2C76}" type="datetime1">
               <a:rPr lang="zh-TW" altLang="en-US" smtClean="0"/>
               <a:pPr/>
-              <a:t>2020/9/18</a:t>
+              <a:t>2020/9/19</a:t>
             </a:fld>
             <a:endParaRPr lang="zh-TW" altLang="en-US"/>
           </a:p>
@@ -1460,7 +1460,7 @@
             <a:fld id="{0871BF52-5C6C-4959-8E27-CECB68D39FE4}" type="datetime1">
               <a:rPr lang="zh-TW" altLang="en-US" smtClean="0"/>
               <a:pPr/>
-              <a:t>2020/9/18</a:t>
+              <a:t>2020/9/19</a:t>
             </a:fld>
             <a:endParaRPr lang="zh-TW" altLang="en-US"/>
           </a:p>
@@ -1742,7 +1742,7 @@
             <a:fld id="{DF863F05-2DD9-4EB1-A827-12FD992DE9DC}" type="datetime1">
               <a:rPr lang="zh-TW" altLang="en-US" smtClean="0"/>
               <a:pPr/>
-              <a:t>2020/9/18</a:t>
+              <a:t>2020/9/19</a:t>
             </a:fld>
             <a:endParaRPr lang="zh-TW" altLang="en-US"/>
           </a:p>
@@ -2158,7 +2158,7 @@
             <a:fld id="{6339AF51-4491-4873-A096-75DB6CE47516}" type="datetime1">
               <a:rPr lang="zh-TW" altLang="en-US" smtClean="0"/>
               <a:pPr/>
-              <a:t>2020/9/18</a:t>
+              <a:t>2020/9/19</a:t>
             </a:fld>
             <a:endParaRPr lang="zh-TW" altLang="en-US"/>
           </a:p>
@@ -2272,7 +2272,7 @@
             <a:fld id="{EE4AD9C8-8B9E-40FF-ABE2-858AC2057BBB}" type="datetime1">
               <a:rPr lang="zh-TW" altLang="en-US" smtClean="0"/>
               <a:pPr/>
-              <a:t>2020/9/18</a:t>
+              <a:t>2020/9/19</a:t>
             </a:fld>
             <a:endParaRPr lang="zh-TW" altLang="en-US"/>
           </a:p>
@@ -2364,7 +2364,7 @@
             <a:fld id="{B4784999-BBBE-4BE4-A8D0-877E7D1D66CC}" type="datetime1">
               <a:rPr lang="zh-TW" altLang="en-US" smtClean="0"/>
               <a:pPr/>
-              <a:t>2020/9/18</a:t>
+              <a:t>2020/9/19</a:t>
             </a:fld>
             <a:endParaRPr lang="zh-TW" altLang="en-US"/>
           </a:p>
@@ -2636,7 +2636,7 @@
             <a:fld id="{E88D17E6-02BD-4944-B9FE-7BFCCBF83D48}" type="datetime1">
               <a:rPr lang="zh-TW" altLang="en-US" smtClean="0"/>
               <a:pPr/>
-              <a:t>2020/9/18</a:t>
+              <a:t>2020/9/19</a:t>
             </a:fld>
             <a:endParaRPr lang="zh-TW" altLang="en-US"/>
           </a:p>
@@ -2885,7 +2885,7 @@
             <a:fld id="{3C13E23D-1FEF-4D78-A3A3-3D6F2BB31954}" type="datetime1">
               <a:rPr lang="zh-TW" altLang="en-US" smtClean="0"/>
               <a:pPr/>
-              <a:t>2020/9/18</a:t>
+              <a:t>2020/9/19</a:t>
             </a:fld>
             <a:endParaRPr lang="zh-TW" altLang="en-US"/>
           </a:p>
@@ -3093,7 +3093,7 @@
             <a:fld id="{06197F35-AD6F-4594-8B50-334492D2E7E8}" type="datetime1">
               <a:rPr lang="zh-TW" altLang="en-US" smtClean="0"/>
               <a:pPr/>
-              <a:t>2020/9/18</a:t>
+              <a:t>2020/9/19</a:t>
             </a:fld>
             <a:endParaRPr lang="zh-TW" altLang="en-US"/>
           </a:p>
@@ -3554,7 +3554,7 @@
             <a:fld id="{C389EDC9-19E3-47AC-9C57-C6A24DEA81AD}" type="datetime1">
               <a:rPr lang="zh-TW" altLang="en-US" smtClean="0"/>
               <a:pPr/>
-              <a:t>2020/9/18</a:t>
+              <a:t>2020/9/19</a:t>
             </a:fld>
             <a:endParaRPr lang="zh-TW" altLang="en-US"/>
           </a:p>
@@ -3911,7 +3911,7 @@
             <a:fld id="{A4F910E6-8D00-4BAF-8C48-9688E0B449D3}" type="datetime1">
               <a:rPr lang="zh-TW" altLang="en-US" smtClean="0"/>
               <a:pPr/>
-              <a:t>2020/9/18</a:t>
+              <a:t>2020/9/19</a:t>
             </a:fld>
             <a:endParaRPr lang="zh-TW" altLang="en-US"/>
           </a:p>
@@ -4488,7 +4488,7 @@
             <a:fld id="{A4F910E6-8D00-4BAF-8C48-9688E0B449D3}" type="datetime1">
               <a:rPr lang="zh-TW" altLang="en-US" smtClean="0"/>
               <a:pPr/>
-              <a:t>2020/9/18</a:t>
+              <a:t>2020/9/19</a:t>
             </a:fld>
             <a:endParaRPr lang="zh-TW" altLang="en-US"/>
           </a:p>
@@ -5177,7 +5177,7 @@
             <a:fld id="{A4F910E6-8D00-4BAF-8C48-9688E0B449D3}" type="datetime1">
               <a:rPr lang="zh-TW" altLang="en-US" smtClean="0"/>
               <a:pPr/>
-              <a:t>2020/9/18</a:t>
+              <a:t>2020/9/19</a:t>
             </a:fld>
             <a:endParaRPr lang="zh-TW" altLang="en-US"/>
           </a:p>
@@ -5780,7 +5780,7 @@
             <a:fld id="{A4F910E6-8D00-4BAF-8C48-9688E0B449D3}" type="datetime1">
               <a:rPr lang="zh-TW" altLang="en-US" smtClean="0"/>
               <a:pPr/>
-              <a:t>2020/9/18</a:t>
+              <a:t>2020/9/19</a:t>
             </a:fld>
             <a:endParaRPr lang="zh-TW" altLang="en-US"/>
           </a:p>
@@ -6128,7 +6128,7 @@
             <a:fld id="{C389EDC9-19E3-47AC-9C57-C6A24DEA81AD}" type="datetime1">
               <a:rPr lang="zh-TW" altLang="en-US" smtClean="0"/>
               <a:pPr/>
-              <a:t>2020/9/18</a:t>
+              <a:t>2020/9/19</a:t>
             </a:fld>
             <a:endParaRPr lang="zh-TW" altLang="en-US"/>
           </a:p>
@@ -6563,7 +6563,7 @@
             <a:fld id="{A4F910E6-8D00-4BAF-8C48-9688E0B449D3}" type="datetime1">
               <a:rPr lang="zh-TW" altLang="en-US" smtClean="0"/>
               <a:pPr/>
-              <a:t>2020/9/18</a:t>
+              <a:t>2020/9/19</a:t>
             </a:fld>
             <a:endParaRPr lang="zh-TW" altLang="en-US"/>
           </a:p>
@@ -7131,7 +7131,7 @@
             <a:fld id="{A4F910E6-8D00-4BAF-8C48-9688E0B449D3}" type="datetime1">
               <a:rPr lang="zh-TW" altLang="en-US" smtClean="0"/>
               <a:pPr/>
-              <a:t>2020/9/18</a:t>
+              <a:t>2020/9/19</a:t>
             </a:fld>
             <a:endParaRPr lang="zh-TW" altLang="en-US"/>
           </a:p>
@@ -7736,7 +7736,7 @@
             <a:fld id="{A4F910E6-8D00-4BAF-8C48-9688E0B449D3}" type="datetime1">
               <a:rPr lang="zh-TW" altLang="en-US" smtClean="0"/>
               <a:pPr/>
-              <a:t>2020/9/18</a:t>
+              <a:t>2020/9/19</a:t>
             </a:fld>
             <a:endParaRPr lang="zh-TW" altLang="en-US"/>
           </a:p>
@@ -8270,7 +8270,7 @@
             <a:fld id="{A4F910E6-8D00-4BAF-8C48-9688E0B449D3}" type="datetime1">
               <a:rPr lang="zh-TW" altLang="en-US" smtClean="0"/>
               <a:pPr/>
-              <a:t>2020/9/18</a:t>
+              <a:t>2020/9/19</a:t>
             </a:fld>
             <a:endParaRPr lang="zh-TW" altLang="en-US"/>
           </a:p>
@@ -8618,7 +8618,7 @@
             <a:fld id="{C389EDC9-19E3-47AC-9C57-C6A24DEA81AD}" type="datetime1">
               <a:rPr lang="zh-TW" altLang="en-US" smtClean="0"/>
               <a:pPr/>
-              <a:t>2020/9/18</a:t>
+              <a:t>2020/9/19</a:t>
             </a:fld>
             <a:endParaRPr lang="zh-TW" altLang="en-US"/>
           </a:p>
@@ -9023,7 +9023,7 @@
             <a:fld id="{A4F910E6-8D00-4BAF-8C48-9688E0B449D3}" type="datetime1">
               <a:rPr lang="zh-TW" altLang="en-US" smtClean="0"/>
               <a:pPr/>
-              <a:t>2020/9/18</a:t>
+              <a:t>2020/9/19</a:t>
             </a:fld>
             <a:endParaRPr lang="zh-TW" altLang="en-US"/>
           </a:p>
@@ -9605,7 +9605,7 @@
             <a:fld id="{A4F910E6-8D00-4BAF-8C48-9688E0B449D3}" type="datetime1">
               <a:rPr lang="zh-TW" altLang="en-US" smtClean="0"/>
               <a:pPr/>
-              <a:t>2020/9/18</a:t>
+              <a:t>2020/9/19</a:t>
             </a:fld>
             <a:endParaRPr lang="zh-TW" altLang="en-US"/>
           </a:p>
@@ -10257,7 +10257,7 @@
             <a:fld id="{A4F910E6-8D00-4BAF-8C48-9688E0B449D3}" type="datetime1">
               <a:rPr lang="zh-TW" altLang="en-US" smtClean="0"/>
               <a:pPr/>
-              <a:t>2020/9/18</a:t>
+              <a:t>2020/9/19</a:t>
             </a:fld>
             <a:endParaRPr lang="zh-TW" altLang="en-US"/>
           </a:p>
@@ -10570,7 +10570,7 @@
             <a:fld id="{C389EDC9-19E3-47AC-9C57-C6A24DEA81AD}" type="datetime1">
               <a:rPr lang="zh-TW" altLang="en-US" smtClean="0"/>
               <a:pPr/>
-              <a:t>2020/9/18</a:t>
+              <a:t>2020/9/19</a:t>
             </a:fld>
             <a:endParaRPr lang="zh-TW" altLang="en-US"/>
           </a:p>
@@ -10959,7 +10959,7 @@
             <a:fld id="{A4F910E6-8D00-4BAF-8C48-9688E0B449D3}" type="datetime1">
               <a:rPr lang="zh-TW" altLang="en-US" smtClean="0"/>
               <a:pPr/>
-              <a:t>2020/9/18</a:t>
+              <a:t>2020/9/19</a:t>
             </a:fld>
             <a:endParaRPr lang="zh-TW" altLang="en-US"/>
           </a:p>
@@ -11582,7 +11582,7 @@
             <a:fld id="{A4F910E6-8D00-4BAF-8C48-9688E0B449D3}" type="datetime1">
               <a:rPr lang="zh-TW" altLang="en-US" smtClean="0"/>
               <a:pPr/>
-              <a:t>2020/9/18</a:t>
+              <a:t>2020/9/19</a:t>
             </a:fld>
             <a:endParaRPr lang="zh-TW" altLang="en-US"/>
           </a:p>
@@ -11965,7 +11965,7 @@
             <a:fld id="{C389EDC9-19E3-47AC-9C57-C6A24DEA81AD}" type="datetime1">
               <a:rPr lang="zh-TW" altLang="en-US" smtClean="0"/>
               <a:pPr/>
-              <a:t>2020/9/18</a:t>
+              <a:t>2020/9/19</a:t>
             </a:fld>
             <a:endParaRPr lang="zh-TW" altLang="en-US"/>
           </a:p>
@@ -12197,7 +12197,7 @@
                   <a:srgbClr val="29303B"/>
                 </a:solidFill>
               </a:rPr>
-              <a:t>We need to test with rest testing samples (15,000).</a:t>
+              <a:t>We need to test with rest testing samples (10,000).</a:t>
             </a:r>
           </a:p>
           <a:p>
@@ -12249,7 +12249,7 @@
                   <a:srgbClr val="29303B"/>
                 </a:solidFill>
               </a:rPr>
-              <a:t>The testing accuracy for 15,000 testing samples is 92% </a:t>
+              <a:t>The testing accuracy for 10,000 testing samples is 92% </a:t>
             </a:r>
           </a:p>
         </p:txBody>
@@ -12352,7 +12352,7 @@
             <a:fld id="{A4F910E6-8D00-4BAF-8C48-9688E0B449D3}" type="datetime1">
               <a:rPr lang="zh-TW" altLang="en-US" smtClean="0"/>
               <a:pPr/>
-              <a:t>2020/9/18</a:t>
+              <a:t>2020/9/19</a:t>
             </a:fld>
             <a:endParaRPr lang="zh-TW" altLang="en-US"/>
           </a:p>
@@ -12735,7 +12735,7 @@
             <a:fld id="{C389EDC9-19E3-47AC-9C57-C6A24DEA81AD}" type="datetime1">
               <a:rPr lang="zh-TW" altLang="en-US" smtClean="0"/>
               <a:pPr/>
-              <a:t>2020/9/18</a:t>
+              <a:t>2020/9/19</a:t>
             </a:fld>
             <a:endParaRPr lang="zh-TW" altLang="en-US"/>
           </a:p>
@@ -12967,7 +12967,7 @@
                   <a:srgbClr val="29303B"/>
                 </a:solidFill>
               </a:rPr>
-              <a:t>92% (15,000X 92% = 13,800) are correct classified.</a:t>
+              <a:t>92% (10,000X 92% = 9,200) are correct classified.</a:t>
             </a:r>
           </a:p>
           <a:p>
@@ -12985,7 +12985,7 @@
                   <a:srgbClr val="29303B"/>
                 </a:solidFill>
               </a:rPr>
-              <a:t>8% (15000 X 8% = 1200 images) are incorrect classified.</a:t>
+              <a:t>8% (10,000 X 8% = 800 images) are incorrect classified.</a:t>
             </a:r>
           </a:p>
           <a:p>
@@ -13003,7 +13003,7 @@
                   <a:srgbClr val="29303B"/>
                 </a:solidFill>
               </a:rPr>
-              <a:t>We will select 200 images to review from 1200 misclassified images.</a:t>
+              <a:t>We will select 200 images to review from 800 misclassified images.</a:t>
             </a:r>
           </a:p>
         </p:txBody>
@@ -13106,7 +13106,7 @@
             <a:fld id="{A4F910E6-8D00-4BAF-8C48-9688E0B449D3}" type="datetime1">
               <a:rPr lang="zh-TW" altLang="en-US" smtClean="0"/>
               <a:pPr/>
-              <a:t>2020/9/18</a:t>
+              <a:t>2020/9/19</a:t>
             </a:fld>
             <a:endParaRPr lang="zh-TW" altLang="en-US"/>
           </a:p>
@@ -13674,7 +13674,7 @@
             <a:fld id="{A4F910E6-8D00-4BAF-8C48-9688E0B449D3}" type="datetime1">
               <a:rPr lang="zh-TW" altLang="en-US" smtClean="0"/>
               <a:pPr/>
-              <a:t>2020/9/18</a:t>
+              <a:t>2020/9/19</a:t>
             </a:fld>
             <a:endParaRPr lang="zh-TW" altLang="en-US"/>
           </a:p>
@@ -14022,7 +14022,7 @@
             <a:fld id="{C389EDC9-19E3-47AC-9C57-C6A24DEA81AD}" type="datetime1">
               <a:rPr lang="zh-TW" altLang="en-US" smtClean="0"/>
               <a:pPr/>
-              <a:t>2020/9/18</a:t>
+              <a:t>2020/9/19</a:t>
             </a:fld>
             <a:endParaRPr lang="zh-TW" altLang="en-US"/>
           </a:p>
@@ -14355,7 +14355,7 @@
             <a:fld id="{A4F910E6-8D00-4BAF-8C48-9688E0B449D3}" type="datetime1">
               <a:rPr lang="zh-TW" altLang="en-US" smtClean="0"/>
               <a:pPr/>
-              <a:t>2020/9/18</a:t>
+              <a:t>2020/9/19</a:t>
             </a:fld>
             <a:endParaRPr lang="zh-TW" altLang="en-US"/>
           </a:p>
@@ -14887,7 +14887,7 @@
             <a:fld id="{A4F910E6-8D00-4BAF-8C48-9688E0B449D3}" type="datetime1">
               <a:rPr lang="zh-TW" altLang="en-US" smtClean="0"/>
               <a:pPr/>
-              <a:t>2020/9/18</a:t>
+              <a:t>2020/9/19</a:t>
             </a:fld>
             <a:endParaRPr lang="zh-TW" altLang="en-US"/>
           </a:p>
@@ -15293,7 +15293,7 @@
             <a:fld id="{4E46BE27-E923-4EC2-B046-3272AE2A3E5C}" type="datetime1">
               <a:rPr lang="zh-TW" altLang="en-US" smtClean="0"/>
               <a:pPr/>
-              <a:t>2020/9/18</a:t>
+              <a:t>2020/9/19</a:t>
             </a:fld>
             <a:endParaRPr lang="zh-TW" altLang="en-US"/>
           </a:p>
@@ -15626,7 +15626,7 @@
             <a:fld id="{A4F910E6-8D00-4BAF-8C48-9688E0B449D3}" type="datetime1">
               <a:rPr lang="zh-TW" altLang="en-US" smtClean="0"/>
               <a:pPr/>
-              <a:t>2020/9/18</a:t>
+              <a:t>2020/9/19</a:t>
             </a:fld>
             <a:endParaRPr lang="zh-TW" altLang="en-US"/>
           </a:p>
@@ -16776,7 +16776,7 @@
             <a:fld id="{A4F910E6-8D00-4BAF-8C48-9688E0B449D3}" type="datetime1">
               <a:rPr lang="zh-TW" altLang="en-US" smtClean="0"/>
               <a:pPr/>
-              <a:t>2020/9/18</a:t>
+              <a:t>2020/9/19</a:t>
             </a:fld>
             <a:endParaRPr lang="zh-TW" altLang="en-US"/>
           </a:p>
@@ -17414,7 +17414,7 @@
             <a:fld id="{A4F910E6-8D00-4BAF-8C48-9688E0B449D3}" type="datetime1">
               <a:rPr lang="zh-TW" altLang="en-US" smtClean="0"/>
               <a:pPr/>
-              <a:t>2020/9/18</a:t>
+              <a:t>2020/9/19</a:t>
             </a:fld>
             <a:endParaRPr lang="zh-TW" altLang="en-US"/>
           </a:p>
@@ -18027,7 +18027,7 @@
             <a:fld id="{A4F910E6-8D00-4BAF-8C48-9688E0B449D3}" type="datetime1">
               <a:rPr lang="zh-TW" altLang="en-US" smtClean="0"/>
               <a:pPr/>
-              <a:t>2020/9/18</a:t>
+              <a:t>2020/9/19</a:t>
             </a:fld>
             <a:endParaRPr lang="zh-TW" altLang="en-US"/>
           </a:p>
@@ -18629,7 +18629,7 @@
             <a:fld id="{A4F910E6-8D00-4BAF-8C48-9688E0B449D3}" type="datetime1">
               <a:rPr lang="zh-TW" altLang="en-US" smtClean="0"/>
               <a:pPr/>
-              <a:t>2020/9/18</a:t>
+              <a:t>2020/9/19</a:t>
             </a:fld>
             <a:endParaRPr lang="zh-TW" altLang="en-US"/>
           </a:p>
@@ -18977,7 +18977,7 @@
             <a:fld id="{C389EDC9-19E3-47AC-9C57-C6A24DEA81AD}" type="datetime1">
               <a:rPr lang="zh-TW" altLang="en-US" smtClean="0"/>
               <a:pPr/>
-              <a:t>2020/9/18</a:t>
+              <a:t>2020/9/19</a:t>
             </a:fld>
             <a:endParaRPr lang="zh-TW" altLang="en-US"/>
           </a:p>
